--- a/Source/Vennefor/Slik funker det.pptx
+++ b/Source/Vennefor/Slik funker det.pptx
@@ -290,7 +290,7 @@
           <a:p>
             <a:fld id="{52A444E3-9097-4FEA-B9B8-49252972435C}" type="datetimeFigureOut">
               <a:rPr lang="nb-NO" smtClean="0"/>
-              <a:t>02.07.2020</a:t>
+              <a:t>29.10.2020</a:t>
             </a:fld>
             <a:endParaRPr lang="nb-NO"/>
           </a:p>
@@ -490,7 +490,7 @@
           <a:p>
             <a:fld id="{52A444E3-9097-4FEA-B9B8-49252972435C}" type="datetimeFigureOut">
               <a:rPr lang="nb-NO" smtClean="0"/>
-              <a:t>02.07.2020</a:t>
+              <a:t>29.10.2020</a:t>
             </a:fld>
             <a:endParaRPr lang="nb-NO"/>
           </a:p>
@@ -700,7 +700,7 @@
           <a:p>
             <a:fld id="{52A444E3-9097-4FEA-B9B8-49252972435C}" type="datetimeFigureOut">
               <a:rPr lang="nb-NO" smtClean="0"/>
-              <a:t>02.07.2020</a:t>
+              <a:t>29.10.2020</a:t>
             </a:fld>
             <a:endParaRPr lang="nb-NO"/>
           </a:p>
@@ -900,7 +900,7 @@
           <a:p>
             <a:fld id="{52A444E3-9097-4FEA-B9B8-49252972435C}" type="datetimeFigureOut">
               <a:rPr lang="nb-NO" smtClean="0"/>
-              <a:t>02.07.2020</a:t>
+              <a:t>29.10.2020</a:t>
             </a:fld>
             <a:endParaRPr lang="nb-NO"/>
           </a:p>
@@ -1176,7 +1176,7 @@
           <a:p>
             <a:fld id="{52A444E3-9097-4FEA-B9B8-49252972435C}" type="datetimeFigureOut">
               <a:rPr lang="nb-NO" smtClean="0"/>
-              <a:t>02.07.2020</a:t>
+              <a:t>29.10.2020</a:t>
             </a:fld>
             <a:endParaRPr lang="nb-NO"/>
           </a:p>
@@ -1444,7 +1444,7 @@
           <a:p>
             <a:fld id="{52A444E3-9097-4FEA-B9B8-49252972435C}" type="datetimeFigureOut">
               <a:rPr lang="nb-NO" smtClean="0"/>
-              <a:t>02.07.2020</a:t>
+              <a:t>29.10.2020</a:t>
             </a:fld>
             <a:endParaRPr lang="nb-NO"/>
           </a:p>
@@ -1859,7 +1859,7 @@
           <a:p>
             <a:fld id="{52A444E3-9097-4FEA-B9B8-49252972435C}" type="datetimeFigureOut">
               <a:rPr lang="nb-NO" smtClean="0"/>
-              <a:t>02.07.2020</a:t>
+              <a:t>29.10.2020</a:t>
             </a:fld>
             <a:endParaRPr lang="nb-NO"/>
           </a:p>
@@ -2001,7 +2001,7 @@
           <a:p>
             <a:fld id="{52A444E3-9097-4FEA-B9B8-49252972435C}" type="datetimeFigureOut">
               <a:rPr lang="nb-NO" smtClean="0"/>
-              <a:t>02.07.2020</a:t>
+              <a:t>29.10.2020</a:t>
             </a:fld>
             <a:endParaRPr lang="nb-NO"/>
           </a:p>
@@ -2114,7 +2114,7 @@
           <a:p>
             <a:fld id="{52A444E3-9097-4FEA-B9B8-49252972435C}" type="datetimeFigureOut">
               <a:rPr lang="nb-NO" smtClean="0"/>
-              <a:t>02.07.2020</a:t>
+              <a:t>29.10.2020</a:t>
             </a:fld>
             <a:endParaRPr lang="nb-NO"/>
           </a:p>
@@ -2427,7 +2427,7 @@
           <a:p>
             <a:fld id="{52A444E3-9097-4FEA-B9B8-49252972435C}" type="datetimeFigureOut">
               <a:rPr lang="nb-NO" smtClean="0"/>
-              <a:t>02.07.2020</a:t>
+              <a:t>29.10.2020</a:t>
             </a:fld>
             <a:endParaRPr lang="nb-NO"/>
           </a:p>
@@ -2716,7 +2716,7 @@
           <a:p>
             <a:fld id="{52A444E3-9097-4FEA-B9B8-49252972435C}" type="datetimeFigureOut">
               <a:rPr lang="nb-NO" smtClean="0"/>
-              <a:t>02.07.2020</a:t>
+              <a:t>29.10.2020</a:t>
             </a:fld>
             <a:endParaRPr lang="nb-NO"/>
           </a:p>
@@ -2959,7 +2959,7 @@
           <a:p>
             <a:fld id="{52A444E3-9097-4FEA-B9B8-49252972435C}" type="datetimeFigureOut">
               <a:rPr lang="nb-NO" smtClean="0"/>
-              <a:t>02.07.2020</a:t>
+              <a:t>29.10.2020</a:t>
             </a:fld>
             <a:endParaRPr lang="nb-NO"/>
           </a:p>
@@ -3504,7 +3504,7 @@
         </p:nvGrpSpPr>
         <p:grpSpPr>
           <a:xfrm>
-            <a:off x="706653" y="2069942"/>
+            <a:off x="270425" y="2095109"/>
             <a:ext cx="1484445" cy="961761"/>
             <a:chOff x="706653" y="2069942"/>
             <a:chExt cx="1484445" cy="961761"/>
@@ -3606,7 +3606,7 @@
         </p:nvGrpSpPr>
         <p:grpSpPr>
           <a:xfrm>
-            <a:off x="10510555" y="2069942"/>
+            <a:off x="8506053" y="2095109"/>
             <a:ext cx="970330" cy="961761"/>
             <a:chOff x="963708" y="2069942"/>
             <a:chExt cx="970330" cy="961761"/>
@@ -3707,7 +3707,7 @@
         </p:nvGrpSpPr>
         <p:grpSpPr>
           <a:xfrm>
-            <a:off x="2463665" y="2069942"/>
+            <a:off x="1695584" y="2095109"/>
             <a:ext cx="1679883" cy="961761"/>
             <a:chOff x="608936" y="2069942"/>
             <a:chExt cx="1679883" cy="961761"/>
@@ -3809,7 +3809,7 @@
         </p:nvGrpSpPr>
         <p:grpSpPr>
           <a:xfrm>
-            <a:off x="6625783" y="2079864"/>
+            <a:off x="5382076" y="2095109"/>
             <a:ext cx="1365887" cy="961761"/>
             <a:chOff x="765935" y="2069942"/>
             <a:chExt cx="1365887" cy="961761"/>
@@ -3911,7 +3911,7 @@
         </p:nvGrpSpPr>
         <p:grpSpPr>
           <a:xfrm>
-            <a:off x="4441103" y="2079864"/>
+            <a:off x="3431772" y="2095109"/>
             <a:ext cx="1760162" cy="961761"/>
             <a:chOff x="568799" y="2069942"/>
             <a:chExt cx="1760162" cy="961761"/>
@@ -4013,7 +4013,7 @@
         </p:nvGrpSpPr>
         <p:grpSpPr>
           <a:xfrm>
-            <a:off x="8416178" y="2069942"/>
+            <a:off x="6949088" y="2095109"/>
             <a:ext cx="1392754" cy="961761"/>
             <a:chOff x="752503" y="2069942"/>
             <a:chExt cx="1392754" cy="961761"/>
@@ -4101,6 +4101,86 @@
           </p:txBody>
         </p:sp>
       </p:grpSp>
+      <p:sp>
+        <p:nvSpPr>
+          <p:cNvPr id="2" name="Smiley Face 1">
+            <a:extLst>
+              <a:ext uri="{FF2B5EF4-FFF2-40B4-BE49-F238E27FC236}">
+                <a16:creationId xmlns:a16="http://schemas.microsoft.com/office/drawing/2014/main" id="{01057C17-5A4C-455F-91F5-FEA35C4DDF25}"/>
+              </a:ext>
+            </a:extLst>
+          </p:cNvPr>
+          <p:cNvSpPr/>
+          <p:nvPr/>
+        </p:nvSpPr>
+        <p:spPr>
+          <a:xfrm>
+            <a:off x="10034325" y="2095109"/>
+            <a:ext cx="605307" cy="592429"/>
+          </a:xfrm>
+          <a:prstGeom prst="smileyFace">
+            <a:avLst/>
+          </a:prstGeom>
+        </p:spPr>
+        <p:style>
+          <a:lnRef idx="2">
+            <a:schemeClr val="accent6"/>
+          </a:lnRef>
+          <a:fillRef idx="1">
+            <a:schemeClr val="lt1"/>
+          </a:fillRef>
+          <a:effectRef idx="0">
+            <a:schemeClr val="accent6"/>
+          </a:effectRef>
+          <a:fontRef idx="minor">
+            <a:schemeClr val="dk1"/>
+          </a:fontRef>
+        </p:style>
+        <p:txBody>
+          <a:bodyPr rtlCol="0" anchor="ctr"/>
+          <a:lstStyle/>
+          <a:p>
+            <a:pPr algn="ctr"/>
+            <a:endParaRPr lang="nb-NO"/>
+          </a:p>
+        </p:txBody>
+      </p:sp>
+      <p:sp>
+        <p:nvSpPr>
+          <p:cNvPr id="3" name="TextBox 2">
+            <a:extLst>
+              <a:ext uri="{FF2B5EF4-FFF2-40B4-BE49-F238E27FC236}">
+                <a16:creationId xmlns:a16="http://schemas.microsoft.com/office/drawing/2014/main" id="{431C674F-CA2D-4D91-BD06-B14DDD15B4D2}"/>
+              </a:ext>
+            </a:extLst>
+          </p:cNvPr>
+          <p:cNvSpPr txBox="1"/>
+          <p:nvPr/>
+        </p:nvSpPr>
+        <p:spPr>
+          <a:xfrm>
+            <a:off x="9707663" y="2687538"/>
+            <a:ext cx="1201227" cy="369332"/>
+          </a:xfrm>
+          <a:prstGeom prst="rect">
+            <a:avLst/>
+          </a:prstGeom>
+          <a:noFill/>
+        </p:spPr>
+        <p:txBody>
+          <a:bodyPr wrap="none" rtlCol="0">
+            <a:spAutoFit/>
+          </a:bodyPr>
+          <a:lstStyle/>
+          <a:p>
+            <a:pPr algn="ctr"/>
+            <a:r>
+              <a:rPr lang="nb-NO" dirty="0"/>
+              <a:t>PVS ansvar</a:t>
+            </a:r>
+          </a:p>
+        </p:txBody>
+      </p:sp>
     </p:spTree>
     <p:extLst>
       <p:ext uri="{BB962C8B-B14F-4D97-AF65-F5344CB8AC3E}">
@@ -4201,7 +4281,7 @@
             <a:pPr algn="ctr"/>
             <a:r>
               <a:rPr lang="nb-NO" dirty="0"/>
-              <a:t>Administrasjonsapplikasjon</a:t>
+              <a:t>Administrasjons funksjonalitet</a:t>
             </a:r>
           </a:p>
         </p:txBody>
@@ -4295,7 +4375,7 @@
             <a:pPr algn="ctr"/>
             <a:r>
               <a:rPr lang="nb-NO" dirty="0"/>
-              <a:t>Selskapsapplikasjon</a:t>
+              <a:t>Selskapsfunksjonalitet</a:t>
             </a:r>
           </a:p>
         </p:txBody>
@@ -4390,7 +4470,7 @@
             <a:pPr algn="ctr"/>
             <a:r>
               <a:rPr lang="nb-NO" dirty="0"/>
-              <a:t>Sponsorapplikasjon</a:t>
+              <a:t>Sponsorfunksjonalitet</a:t>
             </a:r>
           </a:p>
         </p:txBody>
@@ -4799,7 +4879,7 @@
           <a:p>
             <a:r>
               <a:rPr lang="nb-NO" dirty="0"/>
-              <a:t>Brukernes applikasjons og datatilgang</a:t>
+              <a:t>Brukernes applikasjons- og datatilgang</a:t>
             </a:r>
           </a:p>
         </p:txBody>
@@ -4865,7 +4945,7 @@
         </p:nvSpPr>
         <p:spPr>
           <a:xfrm>
-            <a:off x="8809895" y="3721327"/>
+            <a:off x="8921166" y="3718299"/>
             <a:ext cx="2811350" cy="862884"/>
           </a:xfrm>
           <a:prstGeom prst="flowChartAlternateProcess">
@@ -4893,7 +4973,7 @@
             <a:pPr algn="ctr"/>
             <a:r>
               <a:rPr lang="nb-NO" dirty="0"/>
-              <a:t>Selskapsapplikasjon</a:t>
+              <a:t>PVS applikasjon</a:t>
             </a:r>
           </a:p>
         </p:txBody>
@@ -4940,7 +5020,40 @@
             <a:pPr algn="ctr"/>
             <a:r>
               <a:rPr lang="nb-NO" dirty="0"/>
-              <a:t>Sponsorapplikasjon</a:t>
+              <a:t>Selskapsapplikasjon</a:t>
+            </a:r>
+          </a:p>
+          <a:p>
+            <a:pPr algn="ctr"/>
+            <a:r>
+              <a:rPr lang="nb-NO" dirty="0">
+                <a:solidFill>
+                  <a:schemeClr val="accent1">
+                    <a:lumMod val="75000"/>
+                  </a:schemeClr>
+                </a:solidFill>
+              </a:rPr>
+              <a:t>(sub-sett av </a:t>
+            </a:r>
+            <a:r>
+              <a:rPr lang="nb-NO" dirty="0" err="1">
+                <a:solidFill>
+                  <a:schemeClr val="accent1">
+                    <a:lumMod val="75000"/>
+                  </a:schemeClr>
+                </a:solidFill>
+              </a:rPr>
+              <a:t>admin</a:t>
+            </a:r>
+            <a:r>
+              <a:rPr lang="nb-NO" dirty="0">
+                <a:solidFill>
+                  <a:schemeClr val="accent1">
+                    <a:lumMod val="75000"/>
+                  </a:schemeClr>
+                </a:solidFill>
+              </a:rPr>
+              <a:t> app)</a:t>
             </a:r>
           </a:p>
         </p:txBody>
@@ -5000,12 +5113,395 @@
           </a:p>
         </p:txBody>
       </p:sp>
+      <p:cxnSp>
+        <p:nvCxnSpPr>
+          <p:cNvPr id="3" name="Straight Arrow Connector 2">
+            <a:extLst>
+              <a:ext uri="{FF2B5EF4-FFF2-40B4-BE49-F238E27FC236}">
+                <a16:creationId xmlns:a16="http://schemas.microsoft.com/office/drawing/2014/main" id="{EF221B4B-43DF-4486-9EE2-DFF5FF4C9C76}"/>
+              </a:ext>
+            </a:extLst>
+          </p:cNvPr>
+          <p:cNvCxnSpPr>
+            <a:cxnSpLocks/>
+            <a:stCxn id="64" idx="2"/>
+            <a:endCxn id="29" idx="0"/>
+          </p:cNvCxnSpPr>
+          <p:nvPr/>
+        </p:nvCxnSpPr>
+        <p:spPr>
+          <a:xfrm>
+            <a:off x="2535526" y="3056870"/>
+            <a:ext cx="768076" cy="670211"/>
+          </a:xfrm>
+          <a:prstGeom prst="straightConnector1">
+            <a:avLst/>
+          </a:prstGeom>
+          <a:ln w="28575">
+            <a:tailEnd type="triangle"/>
+          </a:ln>
+        </p:spPr>
+        <p:style>
+          <a:lnRef idx="1">
+            <a:schemeClr val="accent2"/>
+          </a:lnRef>
+          <a:fillRef idx="0">
+            <a:schemeClr val="accent2"/>
+          </a:fillRef>
+          <a:effectRef idx="0">
+            <a:schemeClr val="accent2"/>
+          </a:effectRef>
+          <a:fontRef idx="minor">
+            <a:schemeClr val="tx1"/>
+          </a:fontRef>
+        </p:style>
+      </p:cxnSp>
+      <p:cxnSp>
+        <p:nvCxnSpPr>
+          <p:cNvPr id="53" name="Straight Arrow Connector 52">
+            <a:extLst>
+              <a:ext uri="{FF2B5EF4-FFF2-40B4-BE49-F238E27FC236}">
+                <a16:creationId xmlns:a16="http://schemas.microsoft.com/office/drawing/2014/main" id="{854A95FC-08CE-450B-9DE8-7CC401BDAF2E}"/>
+              </a:ext>
+            </a:extLst>
+          </p:cNvPr>
+          <p:cNvCxnSpPr>
+            <a:cxnSpLocks/>
+            <a:stCxn id="29" idx="2"/>
+            <a:endCxn id="33" idx="0"/>
+          </p:cNvCxnSpPr>
+          <p:nvPr/>
+        </p:nvCxnSpPr>
+        <p:spPr>
+          <a:xfrm>
+            <a:off x="3303602" y="4589965"/>
+            <a:ext cx="1774862" cy="752906"/>
+          </a:xfrm>
+          <a:prstGeom prst="straightConnector1">
+            <a:avLst/>
+          </a:prstGeom>
+          <a:ln w="28575">
+            <a:tailEnd type="triangle"/>
+          </a:ln>
+        </p:spPr>
+        <p:style>
+          <a:lnRef idx="1">
+            <a:schemeClr val="accent2"/>
+          </a:lnRef>
+          <a:fillRef idx="0">
+            <a:schemeClr val="accent2"/>
+          </a:fillRef>
+          <a:effectRef idx="0">
+            <a:schemeClr val="accent2"/>
+          </a:effectRef>
+          <a:fontRef idx="minor">
+            <a:schemeClr val="tx1"/>
+          </a:fontRef>
+        </p:style>
+      </p:cxnSp>
+      <p:cxnSp>
+        <p:nvCxnSpPr>
+          <p:cNvPr id="56" name="Straight Arrow Connector 55">
+            <a:extLst>
+              <a:ext uri="{FF2B5EF4-FFF2-40B4-BE49-F238E27FC236}">
+                <a16:creationId xmlns:a16="http://schemas.microsoft.com/office/drawing/2014/main" id="{B4115937-C17C-4D4E-945C-233244DD4790}"/>
+              </a:ext>
+            </a:extLst>
+          </p:cNvPr>
+          <p:cNvCxnSpPr>
+            <a:cxnSpLocks/>
+            <a:stCxn id="32" idx="2"/>
+            <a:endCxn id="33" idx="0"/>
+          </p:cNvCxnSpPr>
+          <p:nvPr/>
+        </p:nvCxnSpPr>
+        <p:spPr>
+          <a:xfrm flipH="1">
+            <a:off x="5078464" y="4589965"/>
+            <a:ext cx="2230257" cy="752906"/>
+          </a:xfrm>
+          <a:prstGeom prst="straightConnector1">
+            <a:avLst/>
+          </a:prstGeom>
+          <a:ln w="28575">
+            <a:tailEnd type="triangle"/>
+          </a:ln>
+        </p:spPr>
+        <p:style>
+          <a:lnRef idx="1">
+            <a:schemeClr val="accent2"/>
+          </a:lnRef>
+          <a:fillRef idx="0">
+            <a:schemeClr val="accent2"/>
+          </a:fillRef>
+          <a:effectRef idx="0">
+            <a:schemeClr val="accent2"/>
+          </a:effectRef>
+          <a:fontRef idx="minor">
+            <a:schemeClr val="tx1"/>
+          </a:fontRef>
+        </p:style>
+      </p:cxnSp>
+      <p:cxnSp>
+        <p:nvCxnSpPr>
+          <p:cNvPr id="59" name="Straight Arrow Connector 58">
+            <a:extLst>
+              <a:ext uri="{FF2B5EF4-FFF2-40B4-BE49-F238E27FC236}">
+                <a16:creationId xmlns:a16="http://schemas.microsoft.com/office/drawing/2014/main" id="{A822F547-C1BB-4B99-AD42-03CBFEE6C03F}"/>
+              </a:ext>
+            </a:extLst>
+          </p:cNvPr>
+          <p:cNvCxnSpPr>
+            <a:cxnSpLocks/>
+            <a:stCxn id="30" idx="2"/>
+            <a:endCxn id="17" idx="1"/>
+          </p:cNvCxnSpPr>
+          <p:nvPr/>
+        </p:nvCxnSpPr>
+        <p:spPr>
+          <a:xfrm>
+            <a:off x="10326841" y="4581183"/>
+            <a:ext cx="10137" cy="422659"/>
+          </a:xfrm>
+          <a:prstGeom prst="straightConnector1">
+            <a:avLst/>
+          </a:prstGeom>
+          <a:ln w="28575">
+            <a:tailEnd type="triangle"/>
+          </a:ln>
+        </p:spPr>
+        <p:style>
+          <a:lnRef idx="1">
+            <a:schemeClr val="accent2"/>
+          </a:lnRef>
+          <a:fillRef idx="0">
+            <a:schemeClr val="accent2"/>
+          </a:fillRef>
+          <a:effectRef idx="0">
+            <a:schemeClr val="accent2"/>
+          </a:effectRef>
+          <a:fontRef idx="minor">
+            <a:schemeClr val="tx1"/>
+          </a:fontRef>
+        </p:style>
+      </p:cxnSp>
+      <p:cxnSp>
+        <p:nvCxnSpPr>
+          <p:cNvPr id="63" name="Straight Arrow Connector 62">
+            <a:extLst>
+              <a:ext uri="{FF2B5EF4-FFF2-40B4-BE49-F238E27FC236}">
+                <a16:creationId xmlns:a16="http://schemas.microsoft.com/office/drawing/2014/main" id="{1BF5D886-1533-4937-991C-6822E197816A}"/>
+              </a:ext>
+            </a:extLst>
+          </p:cNvPr>
+          <p:cNvCxnSpPr>
+            <a:cxnSpLocks/>
+            <a:stCxn id="73" idx="2"/>
+            <a:endCxn id="29" idx="0"/>
+          </p:cNvCxnSpPr>
+          <p:nvPr/>
+        </p:nvCxnSpPr>
+        <p:spPr>
+          <a:xfrm flipH="1">
+            <a:off x="3303602" y="3056870"/>
+            <a:ext cx="1008251" cy="670211"/>
+          </a:xfrm>
+          <a:prstGeom prst="straightConnector1">
+            <a:avLst/>
+          </a:prstGeom>
+          <a:ln w="28575">
+            <a:tailEnd type="triangle"/>
+          </a:ln>
+        </p:spPr>
+        <p:style>
+          <a:lnRef idx="1">
+            <a:schemeClr val="accent2"/>
+          </a:lnRef>
+          <a:fillRef idx="0">
+            <a:schemeClr val="accent2"/>
+          </a:fillRef>
+          <a:effectRef idx="0">
+            <a:schemeClr val="accent2"/>
+          </a:effectRef>
+          <a:fontRef idx="minor">
+            <a:schemeClr val="tx1"/>
+          </a:fontRef>
+        </p:style>
+      </p:cxnSp>
+      <p:cxnSp>
+        <p:nvCxnSpPr>
+          <p:cNvPr id="66" name="Straight Arrow Connector 65">
+            <a:extLst>
+              <a:ext uri="{FF2B5EF4-FFF2-40B4-BE49-F238E27FC236}">
+                <a16:creationId xmlns:a16="http://schemas.microsoft.com/office/drawing/2014/main" id="{251E10ED-ADB4-4DA4-8E3F-6044FCD78E46}"/>
+              </a:ext>
+            </a:extLst>
+          </p:cNvPr>
+          <p:cNvCxnSpPr>
+            <a:cxnSpLocks/>
+          </p:cNvCxnSpPr>
+          <p:nvPr/>
+        </p:nvCxnSpPr>
+        <p:spPr>
+          <a:xfrm>
+            <a:off x="1412835" y="3010060"/>
+            <a:ext cx="1854726" cy="695378"/>
+          </a:xfrm>
+          <a:prstGeom prst="straightConnector1">
+            <a:avLst/>
+          </a:prstGeom>
+          <a:ln w="28575">
+            <a:tailEnd type="triangle"/>
+          </a:ln>
+        </p:spPr>
+        <p:style>
+          <a:lnRef idx="1">
+            <a:schemeClr val="accent2"/>
+          </a:lnRef>
+          <a:fillRef idx="0">
+            <a:schemeClr val="accent2"/>
+          </a:fillRef>
+          <a:effectRef idx="0">
+            <a:schemeClr val="accent2"/>
+          </a:effectRef>
+          <a:fontRef idx="minor">
+            <a:schemeClr val="tx1"/>
+          </a:fontRef>
+        </p:style>
+      </p:cxnSp>
+      <p:cxnSp>
+        <p:nvCxnSpPr>
+          <p:cNvPr id="69" name="Straight Arrow Connector 68">
+            <a:extLst>
+              <a:ext uri="{FF2B5EF4-FFF2-40B4-BE49-F238E27FC236}">
+                <a16:creationId xmlns:a16="http://schemas.microsoft.com/office/drawing/2014/main" id="{8A25BE65-B7A1-4A12-927A-78A7DFCC8505}"/>
+              </a:ext>
+            </a:extLst>
+          </p:cNvPr>
+          <p:cNvCxnSpPr>
+            <a:cxnSpLocks/>
+            <a:endCxn id="32" idx="0"/>
+          </p:cNvCxnSpPr>
+          <p:nvPr/>
+        </p:nvCxnSpPr>
+        <p:spPr>
+          <a:xfrm flipH="1">
+            <a:off x="7308721" y="3023830"/>
+            <a:ext cx="312314" cy="703251"/>
+          </a:xfrm>
+          <a:prstGeom prst="straightConnector1">
+            <a:avLst/>
+          </a:prstGeom>
+          <a:ln w="28575">
+            <a:tailEnd type="triangle"/>
+          </a:ln>
+        </p:spPr>
+        <p:style>
+          <a:lnRef idx="1">
+            <a:schemeClr val="accent2"/>
+          </a:lnRef>
+          <a:fillRef idx="0">
+            <a:schemeClr val="accent2"/>
+          </a:fillRef>
+          <a:effectRef idx="0">
+            <a:schemeClr val="accent2"/>
+          </a:effectRef>
+          <a:fontRef idx="minor">
+            <a:schemeClr val="tx1"/>
+          </a:fontRef>
+        </p:style>
+      </p:cxnSp>
+      <p:cxnSp>
+        <p:nvCxnSpPr>
+          <p:cNvPr id="72" name="Straight Arrow Connector 71">
+            <a:extLst>
+              <a:ext uri="{FF2B5EF4-FFF2-40B4-BE49-F238E27FC236}">
+                <a16:creationId xmlns:a16="http://schemas.microsoft.com/office/drawing/2014/main" id="{8BDB7F32-03C9-4A5C-BF33-A6599B2A6E86}"/>
+              </a:ext>
+            </a:extLst>
+          </p:cNvPr>
+          <p:cNvCxnSpPr>
+            <a:cxnSpLocks/>
+            <a:endCxn id="32" idx="0"/>
+          </p:cNvCxnSpPr>
+          <p:nvPr/>
+        </p:nvCxnSpPr>
+        <p:spPr>
+          <a:xfrm flipH="1">
+            <a:off x="7308721" y="3031703"/>
+            <a:ext cx="1803834" cy="695378"/>
+          </a:xfrm>
+          <a:prstGeom prst="straightConnector1">
+            <a:avLst/>
+          </a:prstGeom>
+          <a:ln w="28575">
+            <a:tailEnd type="triangle"/>
+          </a:ln>
+        </p:spPr>
+        <p:style>
+          <a:lnRef idx="1">
+            <a:schemeClr val="accent2"/>
+          </a:lnRef>
+          <a:fillRef idx="0">
+            <a:schemeClr val="accent2"/>
+          </a:fillRef>
+          <a:effectRef idx="0">
+            <a:schemeClr val="accent2"/>
+          </a:effectRef>
+          <a:fontRef idx="minor">
+            <a:schemeClr val="tx1"/>
+          </a:fontRef>
+        </p:style>
+      </p:cxnSp>
+      <p:cxnSp>
+        <p:nvCxnSpPr>
+          <p:cNvPr id="75" name="Straight Arrow Connector 74">
+            <a:extLst>
+              <a:ext uri="{FF2B5EF4-FFF2-40B4-BE49-F238E27FC236}">
+                <a16:creationId xmlns:a16="http://schemas.microsoft.com/office/drawing/2014/main" id="{18985632-D178-419F-98C8-145BFC812B27}"/>
+              </a:ext>
+            </a:extLst>
+          </p:cNvPr>
+          <p:cNvCxnSpPr>
+            <a:cxnSpLocks/>
+            <a:stCxn id="79" idx="2"/>
+            <a:endCxn id="30" idx="0"/>
+          </p:cNvCxnSpPr>
+          <p:nvPr/>
+        </p:nvCxnSpPr>
+        <p:spPr>
+          <a:xfrm>
+            <a:off x="10308277" y="3056870"/>
+            <a:ext cx="18564" cy="661429"/>
+          </a:xfrm>
+          <a:prstGeom prst="straightConnector1">
+            <a:avLst/>
+          </a:prstGeom>
+          <a:ln w="28575">
+            <a:tailEnd type="triangle"/>
+          </a:ln>
+        </p:spPr>
+        <p:style>
+          <a:lnRef idx="1">
+            <a:schemeClr val="accent2"/>
+          </a:lnRef>
+          <a:fillRef idx="0">
+            <a:schemeClr val="accent2"/>
+          </a:fillRef>
+          <a:effectRef idx="0">
+            <a:schemeClr val="accent2"/>
+          </a:effectRef>
+          <a:fontRef idx="minor">
+            <a:schemeClr val="tx1"/>
+          </a:fontRef>
+        </p:style>
+      </p:cxnSp>
       <p:grpSp>
         <p:nvGrpSpPr>
-          <p:cNvPr id="35" name="Group 34">
-            <a:extLst>
-              <a:ext uri="{FF2B5EF4-FFF2-40B4-BE49-F238E27FC236}">
-                <a16:creationId xmlns:a16="http://schemas.microsoft.com/office/drawing/2014/main" id="{0A6C4A51-1D64-4722-98BA-2B42661161B4}"/>
+          <p:cNvPr id="34" name="Group 33">
+            <a:extLst>
+              <a:ext uri="{FF2B5EF4-FFF2-40B4-BE49-F238E27FC236}">
+                <a16:creationId xmlns:a16="http://schemas.microsoft.com/office/drawing/2014/main" id="{116F66C4-4BF2-4F15-A618-3DDD5A8839E8}"/>
               </a:ext>
             </a:extLst>
           </p:cNvPr>
@@ -5014,7 +5510,7 @@
         </p:nvGrpSpPr>
         <p:grpSpPr>
           <a:xfrm>
-            <a:off x="706653" y="2069942"/>
+            <a:off x="270425" y="2095109"/>
             <a:ext cx="1484445" cy="961761"/>
             <a:chOff x="706653" y="2069942"/>
             <a:chExt cx="1484445" cy="961761"/>
@@ -5022,10 +5518,10 @@
         </p:grpSpPr>
         <p:sp>
           <p:nvSpPr>
-            <p:cNvPr id="36" name="Smiley Face 35">
+            <p:cNvPr id="54" name="Smiley Face 53">
               <a:extLst>
                 <a:ext uri="{FF2B5EF4-FFF2-40B4-BE49-F238E27FC236}">
-                  <a16:creationId xmlns:a16="http://schemas.microsoft.com/office/drawing/2014/main" id="{BD80A30E-A731-4C71-AABE-67720FDE2767}"/>
+                  <a16:creationId xmlns:a16="http://schemas.microsoft.com/office/drawing/2014/main" id="{51A85FF9-D32F-404C-857F-EEA05B6222ED}"/>
                 </a:ext>
               </a:extLst>
             </p:cNvPr>
@@ -5066,10 +5562,10 @@
         </p:sp>
         <p:sp>
           <p:nvSpPr>
-            <p:cNvPr id="37" name="TextBox 36">
+            <p:cNvPr id="55" name="TextBox 54">
               <a:extLst>
                 <a:ext uri="{FF2B5EF4-FFF2-40B4-BE49-F238E27FC236}">
-                  <a16:creationId xmlns:a16="http://schemas.microsoft.com/office/drawing/2014/main" id="{A59EACCA-EFDB-4BB0-9EC6-B21CE4A94FAF}"/>
+                  <a16:creationId xmlns:a16="http://schemas.microsoft.com/office/drawing/2014/main" id="{3375B73B-188B-441C-AB81-30719B594B96}"/>
                 </a:ext>
               </a:extLst>
             </p:cNvPr>
@@ -5104,10 +5600,10 @@
       </p:grpSp>
       <p:grpSp>
         <p:nvGrpSpPr>
-          <p:cNvPr id="38" name="Group 37">
-            <a:extLst>
-              <a:ext uri="{FF2B5EF4-FFF2-40B4-BE49-F238E27FC236}">
-                <a16:creationId xmlns:a16="http://schemas.microsoft.com/office/drawing/2014/main" id="{BBD45BD5-06B6-4A28-8EC3-94EE4D74D554}"/>
+          <p:cNvPr id="57" name="Group 56">
+            <a:extLst>
+              <a:ext uri="{FF2B5EF4-FFF2-40B4-BE49-F238E27FC236}">
+                <a16:creationId xmlns:a16="http://schemas.microsoft.com/office/drawing/2014/main" id="{E9DD8E9B-E709-4014-99BA-A05D6301C2C3}"/>
               </a:ext>
             </a:extLst>
           </p:cNvPr>
@@ -5116,7 +5612,7 @@
         </p:nvGrpSpPr>
         <p:grpSpPr>
           <a:xfrm>
-            <a:off x="10510555" y="2069942"/>
+            <a:off x="8506053" y="2095109"/>
             <a:ext cx="970330" cy="961761"/>
             <a:chOff x="963708" y="2069942"/>
             <a:chExt cx="970330" cy="961761"/>
@@ -5124,10 +5620,10 @@
         </p:grpSpPr>
         <p:sp>
           <p:nvSpPr>
-            <p:cNvPr id="39" name="Smiley Face 38">
+            <p:cNvPr id="58" name="Smiley Face 57">
               <a:extLst>
                 <a:ext uri="{FF2B5EF4-FFF2-40B4-BE49-F238E27FC236}">
-                  <a16:creationId xmlns:a16="http://schemas.microsoft.com/office/drawing/2014/main" id="{9AF329C5-4F5E-489A-9887-BF27B6BE1A50}"/>
+                  <a16:creationId xmlns:a16="http://schemas.microsoft.com/office/drawing/2014/main" id="{35CEAB29-944B-4FB4-8176-43E01EED385B}"/>
                 </a:ext>
               </a:extLst>
             </p:cNvPr>
@@ -5168,10 +5664,10 @@
         </p:sp>
         <p:sp>
           <p:nvSpPr>
-            <p:cNvPr id="40" name="TextBox 39">
+            <p:cNvPr id="60" name="TextBox 59">
               <a:extLst>
                 <a:ext uri="{FF2B5EF4-FFF2-40B4-BE49-F238E27FC236}">
-                  <a16:creationId xmlns:a16="http://schemas.microsoft.com/office/drawing/2014/main" id="{030E88A8-0DCF-43BD-97EC-6425417A5020}"/>
+                  <a16:creationId xmlns:a16="http://schemas.microsoft.com/office/drawing/2014/main" id="{4D810009-63EB-4A0E-B1EC-07F6CBB161F3}"/>
                 </a:ext>
               </a:extLst>
             </p:cNvPr>
@@ -5205,10 +5701,10 @@
       </p:grpSp>
       <p:grpSp>
         <p:nvGrpSpPr>
-          <p:cNvPr id="41" name="Group 40">
-            <a:extLst>
-              <a:ext uri="{FF2B5EF4-FFF2-40B4-BE49-F238E27FC236}">
-                <a16:creationId xmlns:a16="http://schemas.microsoft.com/office/drawing/2014/main" id="{25580942-97A8-4241-B0BF-B655D444F90B}"/>
+          <p:cNvPr id="61" name="Group 60">
+            <a:extLst>
+              <a:ext uri="{FF2B5EF4-FFF2-40B4-BE49-F238E27FC236}">
+                <a16:creationId xmlns:a16="http://schemas.microsoft.com/office/drawing/2014/main" id="{D86A0250-1254-4551-A77C-8AA2E4985BEE}"/>
               </a:ext>
             </a:extLst>
           </p:cNvPr>
@@ -5217,7 +5713,7 @@
         </p:nvGrpSpPr>
         <p:grpSpPr>
           <a:xfrm>
-            <a:off x="2463665" y="2069942"/>
+            <a:off x="1695584" y="2095109"/>
             <a:ext cx="1679883" cy="961761"/>
             <a:chOff x="608936" y="2069942"/>
             <a:chExt cx="1679883" cy="961761"/>
@@ -5225,10 +5721,10 @@
         </p:grpSpPr>
         <p:sp>
           <p:nvSpPr>
-            <p:cNvPr id="42" name="Smiley Face 41">
+            <p:cNvPr id="62" name="Smiley Face 61">
               <a:extLst>
                 <a:ext uri="{FF2B5EF4-FFF2-40B4-BE49-F238E27FC236}">
-                  <a16:creationId xmlns:a16="http://schemas.microsoft.com/office/drawing/2014/main" id="{FADCBC3E-2896-4C2D-A33E-806A0E2B016F}"/>
+                  <a16:creationId xmlns:a16="http://schemas.microsoft.com/office/drawing/2014/main" id="{218AF0C2-352D-438D-9996-8E992B210555}"/>
                 </a:ext>
               </a:extLst>
             </p:cNvPr>
@@ -5269,10 +5765,10 @@
         </p:sp>
         <p:sp>
           <p:nvSpPr>
-            <p:cNvPr id="43" name="TextBox 42">
+            <p:cNvPr id="64" name="TextBox 63">
               <a:extLst>
                 <a:ext uri="{FF2B5EF4-FFF2-40B4-BE49-F238E27FC236}">
-                  <a16:creationId xmlns:a16="http://schemas.microsoft.com/office/drawing/2014/main" id="{BCA095DA-5CA5-423A-B645-69BB31CB19CA}"/>
+                  <a16:creationId xmlns:a16="http://schemas.microsoft.com/office/drawing/2014/main" id="{C2C7F818-7E94-4EC5-9FB0-9B5CDD6C22E7}"/>
                 </a:ext>
               </a:extLst>
             </p:cNvPr>
@@ -5307,10 +5803,10 @@
       </p:grpSp>
       <p:grpSp>
         <p:nvGrpSpPr>
-          <p:cNvPr id="44" name="Group 43">
-            <a:extLst>
-              <a:ext uri="{FF2B5EF4-FFF2-40B4-BE49-F238E27FC236}">
-                <a16:creationId xmlns:a16="http://schemas.microsoft.com/office/drawing/2014/main" id="{C0F565F5-488F-4455-B58C-898714242396}"/>
+          <p:cNvPr id="65" name="Group 64">
+            <a:extLst>
+              <a:ext uri="{FF2B5EF4-FFF2-40B4-BE49-F238E27FC236}">
+                <a16:creationId xmlns:a16="http://schemas.microsoft.com/office/drawing/2014/main" id="{9DE44B62-9901-4FAF-9CE3-6F452598D2B9}"/>
               </a:ext>
             </a:extLst>
           </p:cNvPr>
@@ -5319,7 +5815,7 @@
         </p:nvGrpSpPr>
         <p:grpSpPr>
           <a:xfrm>
-            <a:off x="6625783" y="2079864"/>
+            <a:off x="5382076" y="2095109"/>
             <a:ext cx="1365887" cy="961761"/>
             <a:chOff x="765935" y="2069942"/>
             <a:chExt cx="1365887" cy="961761"/>
@@ -5327,10 +5823,10 @@
         </p:grpSpPr>
         <p:sp>
           <p:nvSpPr>
-            <p:cNvPr id="45" name="Smiley Face 44">
+            <p:cNvPr id="67" name="Smiley Face 66">
               <a:extLst>
                 <a:ext uri="{FF2B5EF4-FFF2-40B4-BE49-F238E27FC236}">
-                  <a16:creationId xmlns:a16="http://schemas.microsoft.com/office/drawing/2014/main" id="{49FBCAA0-F598-4CFA-B84B-3322BE037C00}"/>
+                  <a16:creationId xmlns:a16="http://schemas.microsoft.com/office/drawing/2014/main" id="{E01D1864-C403-477A-B2DA-0DD8B1C7D41F}"/>
                 </a:ext>
               </a:extLst>
             </p:cNvPr>
@@ -5371,10 +5867,10 @@
         </p:sp>
         <p:sp>
           <p:nvSpPr>
-            <p:cNvPr id="46" name="TextBox 45">
+            <p:cNvPr id="68" name="TextBox 67">
               <a:extLst>
                 <a:ext uri="{FF2B5EF4-FFF2-40B4-BE49-F238E27FC236}">
-                  <a16:creationId xmlns:a16="http://schemas.microsoft.com/office/drawing/2014/main" id="{D3C5D839-5BB2-462A-A8C9-EC51C5EA1A60}"/>
+                  <a16:creationId xmlns:a16="http://schemas.microsoft.com/office/drawing/2014/main" id="{C2D2C387-3AD2-4714-9305-3AFB3F040305}"/>
                 </a:ext>
               </a:extLst>
             </p:cNvPr>
@@ -5409,10 +5905,10 @@
       </p:grpSp>
       <p:grpSp>
         <p:nvGrpSpPr>
-          <p:cNvPr id="47" name="Group 46">
-            <a:extLst>
-              <a:ext uri="{FF2B5EF4-FFF2-40B4-BE49-F238E27FC236}">
-                <a16:creationId xmlns:a16="http://schemas.microsoft.com/office/drawing/2014/main" id="{A5602954-6C61-4A18-AE6D-BAB110EA230E}"/>
+          <p:cNvPr id="70" name="Group 69">
+            <a:extLst>
+              <a:ext uri="{FF2B5EF4-FFF2-40B4-BE49-F238E27FC236}">
+                <a16:creationId xmlns:a16="http://schemas.microsoft.com/office/drawing/2014/main" id="{E4F6C523-34A3-43EB-AE1E-937196ADB1EB}"/>
               </a:ext>
             </a:extLst>
           </p:cNvPr>
@@ -5421,7 +5917,7 @@
         </p:nvGrpSpPr>
         <p:grpSpPr>
           <a:xfrm>
-            <a:off x="4441103" y="2079864"/>
+            <a:off x="3431772" y="2095109"/>
             <a:ext cx="1760162" cy="961761"/>
             <a:chOff x="568799" y="2069942"/>
             <a:chExt cx="1760162" cy="961761"/>
@@ -5429,10 +5925,10 @@
         </p:grpSpPr>
         <p:sp>
           <p:nvSpPr>
-            <p:cNvPr id="48" name="Smiley Face 47">
+            <p:cNvPr id="71" name="Smiley Face 70">
               <a:extLst>
                 <a:ext uri="{FF2B5EF4-FFF2-40B4-BE49-F238E27FC236}">
-                  <a16:creationId xmlns:a16="http://schemas.microsoft.com/office/drawing/2014/main" id="{1B224A5D-836F-4029-9A7F-B59D55E8878A}"/>
+                  <a16:creationId xmlns:a16="http://schemas.microsoft.com/office/drawing/2014/main" id="{B9504A0A-1B4A-4F79-B7F4-9B7A57260675}"/>
                 </a:ext>
               </a:extLst>
             </p:cNvPr>
@@ -5473,10 +5969,10 @@
         </p:sp>
         <p:sp>
           <p:nvSpPr>
-            <p:cNvPr id="49" name="TextBox 48">
+            <p:cNvPr id="73" name="TextBox 72">
               <a:extLst>
                 <a:ext uri="{FF2B5EF4-FFF2-40B4-BE49-F238E27FC236}">
-                  <a16:creationId xmlns:a16="http://schemas.microsoft.com/office/drawing/2014/main" id="{97D316E7-A75C-4F8A-9464-093ACE0598D0}"/>
+                  <a16:creationId xmlns:a16="http://schemas.microsoft.com/office/drawing/2014/main" id="{CA2C5CC6-B343-4C4A-A66B-9930430C171D}"/>
                 </a:ext>
               </a:extLst>
             </p:cNvPr>
@@ -5511,10 +6007,10 @@
       </p:grpSp>
       <p:grpSp>
         <p:nvGrpSpPr>
-          <p:cNvPr id="50" name="Group 49">
-            <a:extLst>
-              <a:ext uri="{FF2B5EF4-FFF2-40B4-BE49-F238E27FC236}">
-                <a16:creationId xmlns:a16="http://schemas.microsoft.com/office/drawing/2014/main" id="{5E5ECF12-9DE8-47A4-8AB1-8609360A1565}"/>
+          <p:cNvPr id="74" name="Group 73">
+            <a:extLst>
+              <a:ext uri="{FF2B5EF4-FFF2-40B4-BE49-F238E27FC236}">
+                <a16:creationId xmlns:a16="http://schemas.microsoft.com/office/drawing/2014/main" id="{73935BAF-0459-4A3F-8058-A7B87A5AEF61}"/>
               </a:ext>
             </a:extLst>
           </p:cNvPr>
@@ -5523,7 +6019,7 @@
         </p:nvGrpSpPr>
         <p:grpSpPr>
           <a:xfrm>
-            <a:off x="8416178" y="2069942"/>
+            <a:off x="6949088" y="2095109"/>
             <a:ext cx="1392754" cy="961761"/>
             <a:chOff x="752503" y="2069942"/>
             <a:chExt cx="1392754" cy="961761"/>
@@ -5531,10 +6027,10 @@
         </p:grpSpPr>
         <p:sp>
           <p:nvSpPr>
-            <p:cNvPr id="51" name="Smiley Face 50">
+            <p:cNvPr id="76" name="Smiley Face 75">
               <a:extLst>
                 <a:ext uri="{FF2B5EF4-FFF2-40B4-BE49-F238E27FC236}">
-                  <a16:creationId xmlns:a16="http://schemas.microsoft.com/office/drawing/2014/main" id="{D93EF49B-1693-4E86-A810-8079030F818D}"/>
+                  <a16:creationId xmlns:a16="http://schemas.microsoft.com/office/drawing/2014/main" id="{BC4C8F18-F54F-4CDF-9511-B11AD448E57F}"/>
                 </a:ext>
               </a:extLst>
             </p:cNvPr>
@@ -5575,10 +6071,10 @@
         </p:sp>
         <p:sp>
           <p:nvSpPr>
-            <p:cNvPr id="52" name="TextBox 51">
+            <p:cNvPr id="77" name="TextBox 76">
               <a:extLst>
                 <a:ext uri="{FF2B5EF4-FFF2-40B4-BE49-F238E27FC236}">
-                  <a16:creationId xmlns:a16="http://schemas.microsoft.com/office/drawing/2014/main" id="{A3C47478-68DF-433F-9558-65248A25B860}"/>
+                  <a16:creationId xmlns:a16="http://schemas.microsoft.com/office/drawing/2014/main" id="{11C4206E-4831-44A9-84A2-EA05D7D03ABB}"/>
                 </a:ext>
               </a:extLst>
             </p:cNvPr>
@@ -5611,12 +6107,92 @@
           </p:txBody>
         </p:sp>
       </p:grpSp>
+      <p:sp>
+        <p:nvSpPr>
+          <p:cNvPr id="78" name="Smiley Face 77">
+            <a:extLst>
+              <a:ext uri="{FF2B5EF4-FFF2-40B4-BE49-F238E27FC236}">
+                <a16:creationId xmlns:a16="http://schemas.microsoft.com/office/drawing/2014/main" id="{8F595170-1EB7-44B3-9322-7D3285759295}"/>
+              </a:ext>
+            </a:extLst>
+          </p:cNvPr>
+          <p:cNvSpPr/>
+          <p:nvPr/>
+        </p:nvSpPr>
+        <p:spPr>
+          <a:xfrm>
+            <a:off x="10034325" y="2095109"/>
+            <a:ext cx="605307" cy="592429"/>
+          </a:xfrm>
+          <a:prstGeom prst="smileyFace">
+            <a:avLst/>
+          </a:prstGeom>
+        </p:spPr>
+        <p:style>
+          <a:lnRef idx="2">
+            <a:schemeClr val="accent6"/>
+          </a:lnRef>
+          <a:fillRef idx="1">
+            <a:schemeClr val="lt1"/>
+          </a:fillRef>
+          <a:effectRef idx="0">
+            <a:schemeClr val="accent6"/>
+          </a:effectRef>
+          <a:fontRef idx="minor">
+            <a:schemeClr val="dk1"/>
+          </a:fontRef>
+        </p:style>
+        <p:txBody>
+          <a:bodyPr rtlCol="0" anchor="ctr"/>
+          <a:lstStyle/>
+          <a:p>
+            <a:pPr algn="ctr"/>
+            <a:endParaRPr lang="nb-NO"/>
+          </a:p>
+        </p:txBody>
+      </p:sp>
+      <p:sp>
+        <p:nvSpPr>
+          <p:cNvPr id="79" name="TextBox 78">
+            <a:extLst>
+              <a:ext uri="{FF2B5EF4-FFF2-40B4-BE49-F238E27FC236}">
+                <a16:creationId xmlns:a16="http://schemas.microsoft.com/office/drawing/2014/main" id="{9CAC0FB7-01A5-426C-8579-54E206993F64}"/>
+              </a:ext>
+            </a:extLst>
+          </p:cNvPr>
+          <p:cNvSpPr txBox="1"/>
+          <p:nvPr/>
+        </p:nvSpPr>
+        <p:spPr>
+          <a:xfrm>
+            <a:off x="9707663" y="2687538"/>
+            <a:ext cx="1201227" cy="369332"/>
+          </a:xfrm>
+          <a:prstGeom prst="rect">
+            <a:avLst/>
+          </a:prstGeom>
+          <a:noFill/>
+        </p:spPr>
+        <p:txBody>
+          <a:bodyPr wrap="none" rtlCol="0">
+            <a:spAutoFit/>
+          </a:bodyPr>
+          <a:lstStyle/>
+          <a:p>
+            <a:pPr algn="ctr"/>
+            <a:r>
+              <a:rPr lang="nb-NO" dirty="0"/>
+              <a:t>PVS ansvar</a:t>
+            </a:r>
+          </a:p>
+        </p:txBody>
+      </p:sp>
       <p:cxnSp>
         <p:nvCxnSpPr>
-          <p:cNvPr id="3" name="Straight Arrow Connector 2">
-            <a:extLst>
-              <a:ext uri="{FF2B5EF4-FFF2-40B4-BE49-F238E27FC236}">
-                <a16:creationId xmlns:a16="http://schemas.microsoft.com/office/drawing/2014/main" id="{EF221B4B-43DF-4486-9EE2-DFF5FF4C9C76}"/>
+          <p:cNvPr id="80" name="Straight Arrow Connector 79">
+            <a:extLst>
+              <a:ext uri="{FF2B5EF4-FFF2-40B4-BE49-F238E27FC236}">
+                <a16:creationId xmlns:a16="http://schemas.microsoft.com/office/drawing/2014/main" id="{F5A1B853-5C6D-4AD5-8C88-AE4028AD23CD}"/>
               </a:ext>
             </a:extLst>
           </p:cNvPr>
@@ -5627,9 +6203,9 @@
           <p:nvPr/>
         </p:nvCxnSpPr>
         <p:spPr>
-          <a:xfrm>
-            <a:off x="3303602" y="3041625"/>
-            <a:ext cx="0" cy="685456"/>
+          <a:xfrm flipH="1">
+            <a:off x="3303602" y="3014177"/>
+            <a:ext cx="2705222" cy="712904"/>
           </a:xfrm>
           <a:prstGeom prst="straightConnector1">
             <a:avLst/>
@@ -5655,24 +6231,23 @@
       </p:cxnSp>
       <p:cxnSp>
         <p:nvCxnSpPr>
-          <p:cNvPr id="53" name="Straight Arrow Connector 52">
-            <a:extLst>
-              <a:ext uri="{FF2B5EF4-FFF2-40B4-BE49-F238E27FC236}">
-                <a16:creationId xmlns:a16="http://schemas.microsoft.com/office/drawing/2014/main" id="{854A95FC-08CE-450B-9DE8-7CC401BDAF2E}"/>
+          <p:cNvPr id="81" name="Straight Arrow Connector 80">
+            <a:extLst>
+              <a:ext uri="{FF2B5EF4-FFF2-40B4-BE49-F238E27FC236}">
+                <a16:creationId xmlns:a16="http://schemas.microsoft.com/office/drawing/2014/main" id="{875076E3-FD0C-4E29-BC02-C756F35D5295}"/>
               </a:ext>
             </a:extLst>
           </p:cNvPr>
           <p:cNvCxnSpPr>
             <a:cxnSpLocks/>
-            <a:stCxn id="29" idx="2"/>
-            <a:endCxn id="33" idx="0"/>
+            <a:endCxn id="29" idx="0"/>
           </p:cNvCxnSpPr>
           <p:nvPr/>
         </p:nvCxnSpPr>
         <p:spPr>
-          <a:xfrm>
-            <a:off x="3303602" y="4589965"/>
-            <a:ext cx="1774862" cy="752906"/>
+          <a:xfrm flipH="1">
+            <a:off x="3303602" y="3031703"/>
+            <a:ext cx="4206746" cy="695378"/>
           </a:xfrm>
           <a:prstGeom prst="straightConnector1">
             <a:avLst/>
@@ -5698,29 +6273,32 @@
       </p:cxnSp>
       <p:cxnSp>
         <p:nvCxnSpPr>
-          <p:cNvPr id="56" name="Straight Arrow Connector 55">
-            <a:extLst>
-              <a:ext uri="{FF2B5EF4-FFF2-40B4-BE49-F238E27FC236}">
-                <a16:creationId xmlns:a16="http://schemas.microsoft.com/office/drawing/2014/main" id="{B4115937-C17C-4D4E-945C-233244DD4790}"/>
+          <p:cNvPr id="82" name="Straight Arrow Connector 81">
+            <a:extLst>
+              <a:ext uri="{FF2B5EF4-FFF2-40B4-BE49-F238E27FC236}">
+                <a16:creationId xmlns:a16="http://schemas.microsoft.com/office/drawing/2014/main" id="{D7FDF14A-E38C-49FC-AB3F-E10CEC703A5B}"/>
               </a:ext>
             </a:extLst>
           </p:cNvPr>
           <p:cNvCxnSpPr>
             <a:cxnSpLocks/>
-            <a:stCxn id="32" idx="2"/>
-            <a:endCxn id="33" idx="0"/>
+            <a:stCxn id="29" idx="3"/>
+            <a:endCxn id="32" idx="1"/>
           </p:cNvCxnSpPr>
           <p:nvPr/>
         </p:nvCxnSpPr>
         <p:spPr>
-          <a:xfrm flipH="1">
-            <a:off x="5078464" y="4589965"/>
-            <a:ext cx="2230257" cy="752906"/>
+          <a:xfrm>
+            <a:off x="4709277" y="4158523"/>
+            <a:ext cx="1193769" cy="0"/>
           </a:xfrm>
           <a:prstGeom prst="straightConnector1">
             <a:avLst/>
           </a:prstGeom>
           <a:ln w="28575">
+            <a:solidFill>
+              <a:schemeClr val="accent1"/>
+            </a:solidFill>
             <a:tailEnd type="triangle"/>
           </a:ln>
         </p:spPr>
@@ -5739,264 +6317,53 @@
           </a:fontRef>
         </p:style>
       </p:cxnSp>
-      <p:cxnSp>
-        <p:nvCxnSpPr>
-          <p:cNvPr id="59" name="Straight Arrow Connector 58">
-            <a:extLst>
-              <a:ext uri="{FF2B5EF4-FFF2-40B4-BE49-F238E27FC236}">
-                <a16:creationId xmlns:a16="http://schemas.microsoft.com/office/drawing/2014/main" id="{A822F547-C1BB-4B99-AD42-03CBFEE6C03F}"/>
-              </a:ext>
-            </a:extLst>
-          </p:cNvPr>
-          <p:cNvCxnSpPr>
-            <a:cxnSpLocks/>
-            <a:stCxn id="30" idx="2"/>
-            <a:endCxn id="33" idx="0"/>
-          </p:cNvCxnSpPr>
+      <p:sp>
+        <p:nvSpPr>
+          <p:cNvPr id="17" name="Cylinder 16">
+            <a:extLst>
+              <a:ext uri="{FF2B5EF4-FFF2-40B4-BE49-F238E27FC236}">
+                <a16:creationId xmlns:a16="http://schemas.microsoft.com/office/drawing/2014/main" id="{2F66D13A-85D4-4AB4-A258-21115A87BC33}"/>
+              </a:ext>
+            </a:extLst>
+          </p:cNvPr>
+          <p:cNvSpPr/>
           <p:nvPr/>
-        </p:nvCxnSpPr>
+        </p:nvSpPr>
         <p:spPr>
-          <a:xfrm flipH="1">
-            <a:off x="5078464" y="4584211"/>
-            <a:ext cx="5137106" cy="758660"/>
-          </a:xfrm>
-          <a:prstGeom prst="straightConnector1">
+          <a:xfrm>
+            <a:off x="8931303" y="5003842"/>
+            <a:ext cx="2811349" cy="1110978"/>
+          </a:xfrm>
+          <a:prstGeom prst="can">
             <a:avLst/>
           </a:prstGeom>
-          <a:ln w="28575">
-            <a:tailEnd type="triangle"/>
-          </a:ln>
         </p:spPr>
         <p:style>
-          <a:lnRef idx="1">
-            <a:schemeClr val="accent2"/>
+          <a:lnRef idx="2">
+            <a:schemeClr val="accent6"/>
           </a:lnRef>
-          <a:fillRef idx="0">
-            <a:schemeClr val="accent2"/>
+          <a:fillRef idx="1">
+            <a:schemeClr val="lt1"/>
           </a:fillRef>
           <a:effectRef idx="0">
-            <a:schemeClr val="accent2"/>
+            <a:schemeClr val="accent6"/>
           </a:effectRef>
           <a:fontRef idx="minor">
-            <a:schemeClr val="tx1"/>
+            <a:schemeClr val="dk1"/>
           </a:fontRef>
         </p:style>
-      </p:cxnSp>
-      <p:cxnSp>
-        <p:nvCxnSpPr>
-          <p:cNvPr id="63" name="Straight Arrow Connector 62">
-            <a:extLst>
-              <a:ext uri="{FF2B5EF4-FFF2-40B4-BE49-F238E27FC236}">
-                <a16:creationId xmlns:a16="http://schemas.microsoft.com/office/drawing/2014/main" id="{1BF5D886-1533-4937-991C-6822E197816A}"/>
-              </a:ext>
-            </a:extLst>
-          </p:cNvPr>
-          <p:cNvCxnSpPr>
-            <a:cxnSpLocks/>
-            <a:stCxn id="49" idx="2"/>
-            <a:endCxn id="29" idx="0"/>
-          </p:cNvCxnSpPr>
-          <p:nvPr/>
-        </p:nvCxnSpPr>
-        <p:spPr>
-          <a:xfrm flipH="1">
-            <a:off x="3303602" y="3041625"/>
-            <a:ext cx="2017582" cy="685456"/>
-          </a:xfrm>
-          <a:prstGeom prst="straightConnector1">
-            <a:avLst/>
-          </a:prstGeom>
-          <a:ln w="28575">
-            <a:tailEnd type="triangle"/>
-          </a:ln>
-        </p:spPr>
-        <p:style>
-          <a:lnRef idx="1">
-            <a:schemeClr val="accent2"/>
-          </a:lnRef>
-          <a:fillRef idx="0">
-            <a:schemeClr val="accent2"/>
-          </a:fillRef>
-          <a:effectRef idx="0">
-            <a:schemeClr val="accent2"/>
-          </a:effectRef>
-          <a:fontRef idx="minor">
-            <a:schemeClr val="tx1"/>
-          </a:fontRef>
-        </p:style>
-      </p:cxnSp>
-      <p:cxnSp>
-        <p:nvCxnSpPr>
-          <p:cNvPr id="66" name="Straight Arrow Connector 65">
-            <a:extLst>
-              <a:ext uri="{FF2B5EF4-FFF2-40B4-BE49-F238E27FC236}">
-                <a16:creationId xmlns:a16="http://schemas.microsoft.com/office/drawing/2014/main" id="{251E10ED-ADB4-4DA4-8E3F-6044FCD78E46}"/>
-              </a:ext>
-            </a:extLst>
-          </p:cNvPr>
-          <p:cNvCxnSpPr>
-            <a:cxnSpLocks/>
-            <a:stCxn id="37" idx="2"/>
-            <a:endCxn id="29" idx="0"/>
-          </p:cNvCxnSpPr>
-          <p:nvPr/>
-        </p:nvCxnSpPr>
-        <p:spPr>
-          <a:xfrm>
-            <a:off x="1448876" y="3031703"/>
-            <a:ext cx="1854726" cy="695378"/>
-          </a:xfrm>
-          <a:prstGeom prst="straightConnector1">
-            <a:avLst/>
-          </a:prstGeom>
-          <a:ln w="28575">
-            <a:tailEnd type="triangle"/>
-          </a:ln>
-        </p:spPr>
-        <p:style>
-          <a:lnRef idx="1">
-            <a:schemeClr val="accent2"/>
-          </a:lnRef>
-          <a:fillRef idx="0">
-            <a:schemeClr val="accent2"/>
-          </a:fillRef>
-          <a:effectRef idx="0">
-            <a:schemeClr val="accent2"/>
-          </a:effectRef>
-          <a:fontRef idx="minor">
-            <a:schemeClr val="tx1"/>
-          </a:fontRef>
-        </p:style>
-      </p:cxnSp>
-      <p:cxnSp>
-        <p:nvCxnSpPr>
-          <p:cNvPr id="69" name="Straight Arrow Connector 68">
-            <a:extLst>
-              <a:ext uri="{FF2B5EF4-FFF2-40B4-BE49-F238E27FC236}">
-                <a16:creationId xmlns:a16="http://schemas.microsoft.com/office/drawing/2014/main" id="{8A25BE65-B7A1-4A12-927A-78A7DFCC8505}"/>
-              </a:ext>
-            </a:extLst>
-          </p:cNvPr>
-          <p:cNvCxnSpPr>
-            <a:cxnSpLocks/>
-            <a:stCxn id="46" idx="2"/>
-            <a:endCxn id="32" idx="0"/>
-          </p:cNvCxnSpPr>
-          <p:nvPr/>
-        </p:nvCxnSpPr>
-        <p:spPr>
-          <a:xfrm flipH="1">
-            <a:off x="7308721" y="3041625"/>
-            <a:ext cx="6" cy="685456"/>
-          </a:xfrm>
-          <a:prstGeom prst="straightConnector1">
-            <a:avLst/>
-          </a:prstGeom>
-          <a:ln w="28575">
-            <a:tailEnd type="triangle"/>
-          </a:ln>
-        </p:spPr>
-        <p:style>
-          <a:lnRef idx="1">
-            <a:schemeClr val="accent2"/>
-          </a:lnRef>
-          <a:fillRef idx="0">
-            <a:schemeClr val="accent2"/>
-          </a:fillRef>
-          <a:effectRef idx="0">
-            <a:schemeClr val="accent2"/>
-          </a:effectRef>
-          <a:fontRef idx="minor">
-            <a:schemeClr val="tx1"/>
-          </a:fontRef>
-        </p:style>
-      </p:cxnSp>
-      <p:cxnSp>
-        <p:nvCxnSpPr>
-          <p:cNvPr id="72" name="Straight Arrow Connector 71">
-            <a:extLst>
-              <a:ext uri="{FF2B5EF4-FFF2-40B4-BE49-F238E27FC236}">
-                <a16:creationId xmlns:a16="http://schemas.microsoft.com/office/drawing/2014/main" id="{8BDB7F32-03C9-4A5C-BF33-A6599B2A6E86}"/>
-              </a:ext>
-            </a:extLst>
-          </p:cNvPr>
-          <p:cNvCxnSpPr>
-            <a:cxnSpLocks/>
-            <a:stCxn id="52" idx="2"/>
-            <a:endCxn id="30" idx="0"/>
-          </p:cNvCxnSpPr>
-          <p:nvPr/>
-        </p:nvCxnSpPr>
-        <p:spPr>
-          <a:xfrm>
-            <a:off x="9112555" y="3031703"/>
-            <a:ext cx="1103015" cy="689624"/>
-          </a:xfrm>
-          <a:prstGeom prst="straightConnector1">
-            <a:avLst/>
-          </a:prstGeom>
-          <a:ln w="28575">
-            <a:tailEnd type="triangle"/>
-          </a:ln>
-        </p:spPr>
-        <p:style>
-          <a:lnRef idx="1">
-            <a:schemeClr val="accent2"/>
-          </a:lnRef>
-          <a:fillRef idx="0">
-            <a:schemeClr val="accent2"/>
-          </a:fillRef>
-          <a:effectRef idx="0">
-            <a:schemeClr val="accent2"/>
-          </a:effectRef>
-          <a:fontRef idx="minor">
-            <a:schemeClr val="tx1"/>
-          </a:fontRef>
-        </p:style>
-      </p:cxnSp>
-      <p:cxnSp>
-        <p:nvCxnSpPr>
-          <p:cNvPr id="75" name="Straight Arrow Connector 74">
-            <a:extLst>
-              <a:ext uri="{FF2B5EF4-FFF2-40B4-BE49-F238E27FC236}">
-                <a16:creationId xmlns:a16="http://schemas.microsoft.com/office/drawing/2014/main" id="{18985632-D178-419F-98C8-145BFC812B27}"/>
-              </a:ext>
-            </a:extLst>
-          </p:cNvPr>
-          <p:cNvCxnSpPr>
-            <a:cxnSpLocks/>
-            <a:stCxn id="40" idx="2"/>
-            <a:endCxn id="30" idx="0"/>
-          </p:cNvCxnSpPr>
-          <p:nvPr/>
-        </p:nvCxnSpPr>
-        <p:spPr>
-          <a:xfrm flipH="1">
-            <a:off x="10215570" y="3031703"/>
-            <a:ext cx="780150" cy="689624"/>
-          </a:xfrm>
-          <a:prstGeom prst="straightConnector1">
-            <a:avLst/>
-          </a:prstGeom>
-          <a:ln w="28575">
-            <a:tailEnd type="triangle"/>
-          </a:ln>
-        </p:spPr>
-        <p:style>
-          <a:lnRef idx="1">
-            <a:schemeClr val="accent2"/>
-          </a:lnRef>
-          <a:fillRef idx="0">
-            <a:schemeClr val="accent2"/>
-          </a:fillRef>
-          <a:effectRef idx="0">
-            <a:schemeClr val="accent2"/>
-          </a:effectRef>
-          <a:fontRef idx="minor">
-            <a:schemeClr val="tx1"/>
-          </a:fontRef>
-        </p:style>
-      </p:cxnSp>
+        <p:txBody>
+          <a:bodyPr rtlCol="0" anchor="ctr"/>
+          <a:lstStyle/>
+          <a:p>
+            <a:pPr algn="ctr"/>
+            <a:r>
+              <a:rPr lang="nb-NO" dirty="0"/>
+              <a:t>PVS data</a:t>
+            </a:r>
+          </a:p>
+        </p:txBody>
+      </p:sp>
     </p:spTree>
     <p:extLst>
       <p:ext uri="{BB962C8B-B14F-4D97-AF65-F5344CB8AC3E}">
